--- a/img/products/w55rp20-evb-pico/W55RP20-EVB-Pico Docs 문서.pptx
+++ b/img/products/w55rp20-evb-pico/W55RP20-EVB-Pico Docs 문서.pptx
@@ -104,6 +104,11 @@
       </a:defRPr>
     </a:lvl9pPr>
   </p:defaultTextStyle>
+  <p:extLst>
+    <p:ext uri="{EFAFB233-063F-42B5-8137-9DF3F51BA10A}">
+      <p15:sldGuideLst xmlns:p15="http://schemas.microsoft.com/office/powerpoint/2012/main"/>
+    </p:ext>
+  </p:extLst>
 </p:presentation>
 </file>
 
@@ -254,7 +259,7 @@
           <a:p>
             <a:fld id="{C06C02BF-6BB2-4959-B284-2A12433D622D}" type="datetimeFigureOut">
               <a:rPr lang="ko-KR" altLang="en-US" smtClean="0"/>
-              <a:t>2024-07-10</a:t>
+              <a:t>2024-07-19</a:t>
             </a:fld>
             <a:endParaRPr lang="ko-KR" altLang="en-US"/>
           </a:p>
@@ -452,7 +457,7 @@
           <a:p>
             <a:fld id="{C06C02BF-6BB2-4959-B284-2A12433D622D}" type="datetimeFigureOut">
               <a:rPr lang="ko-KR" altLang="en-US" smtClean="0"/>
-              <a:t>2024-07-10</a:t>
+              <a:t>2024-07-19</a:t>
             </a:fld>
             <a:endParaRPr lang="ko-KR" altLang="en-US"/>
           </a:p>
@@ -660,7 +665,7 @@
           <a:p>
             <a:fld id="{C06C02BF-6BB2-4959-B284-2A12433D622D}" type="datetimeFigureOut">
               <a:rPr lang="ko-KR" altLang="en-US" smtClean="0"/>
-              <a:t>2024-07-10</a:t>
+              <a:t>2024-07-19</a:t>
             </a:fld>
             <a:endParaRPr lang="ko-KR" altLang="en-US"/>
           </a:p>
@@ -858,7 +863,7 @@
           <a:p>
             <a:fld id="{C06C02BF-6BB2-4959-B284-2A12433D622D}" type="datetimeFigureOut">
               <a:rPr lang="ko-KR" altLang="en-US" smtClean="0"/>
-              <a:t>2024-07-10</a:t>
+              <a:t>2024-07-19</a:t>
             </a:fld>
             <a:endParaRPr lang="ko-KR" altLang="en-US"/>
           </a:p>
@@ -1133,7 +1138,7 @@
           <a:p>
             <a:fld id="{C06C02BF-6BB2-4959-B284-2A12433D622D}" type="datetimeFigureOut">
               <a:rPr lang="ko-KR" altLang="en-US" smtClean="0"/>
-              <a:t>2024-07-10</a:t>
+              <a:t>2024-07-19</a:t>
             </a:fld>
             <a:endParaRPr lang="ko-KR" altLang="en-US"/>
           </a:p>
@@ -1398,7 +1403,7 @@
           <a:p>
             <a:fld id="{C06C02BF-6BB2-4959-B284-2A12433D622D}" type="datetimeFigureOut">
               <a:rPr lang="ko-KR" altLang="en-US" smtClean="0"/>
-              <a:t>2024-07-10</a:t>
+              <a:t>2024-07-19</a:t>
             </a:fld>
             <a:endParaRPr lang="ko-KR" altLang="en-US"/>
           </a:p>
@@ -1810,7 +1815,7 @@
           <a:p>
             <a:fld id="{C06C02BF-6BB2-4959-B284-2A12433D622D}" type="datetimeFigureOut">
               <a:rPr lang="ko-KR" altLang="en-US" smtClean="0"/>
-              <a:t>2024-07-10</a:t>
+              <a:t>2024-07-19</a:t>
             </a:fld>
             <a:endParaRPr lang="ko-KR" altLang="en-US"/>
           </a:p>
@@ -1951,7 +1956,7 @@
           <a:p>
             <a:fld id="{C06C02BF-6BB2-4959-B284-2A12433D622D}" type="datetimeFigureOut">
               <a:rPr lang="ko-KR" altLang="en-US" smtClean="0"/>
-              <a:t>2024-07-10</a:t>
+              <a:t>2024-07-19</a:t>
             </a:fld>
             <a:endParaRPr lang="ko-KR" altLang="en-US"/>
           </a:p>
@@ -2064,7 +2069,7 @@
           <a:p>
             <a:fld id="{C06C02BF-6BB2-4959-B284-2A12433D622D}" type="datetimeFigureOut">
               <a:rPr lang="ko-KR" altLang="en-US" smtClean="0"/>
-              <a:t>2024-07-10</a:t>
+              <a:t>2024-07-19</a:t>
             </a:fld>
             <a:endParaRPr lang="ko-KR" altLang="en-US"/>
           </a:p>
@@ -2375,7 +2380,7 @@
           <a:p>
             <a:fld id="{C06C02BF-6BB2-4959-B284-2A12433D622D}" type="datetimeFigureOut">
               <a:rPr lang="ko-KR" altLang="en-US" smtClean="0"/>
-              <a:t>2024-07-10</a:t>
+              <a:t>2024-07-19</a:t>
             </a:fld>
             <a:endParaRPr lang="ko-KR" altLang="en-US"/>
           </a:p>
@@ -2663,7 +2668,7 @@
           <a:p>
             <a:fld id="{C06C02BF-6BB2-4959-B284-2A12433D622D}" type="datetimeFigureOut">
               <a:rPr lang="ko-KR" altLang="en-US" smtClean="0"/>
-              <a:t>2024-07-10</a:t>
+              <a:t>2024-07-19</a:t>
             </a:fld>
             <a:endParaRPr lang="ko-KR" altLang="en-US"/>
           </a:p>
@@ -2904,7 +2909,7 @@
           <a:p>
             <a:fld id="{C06C02BF-6BB2-4959-B284-2A12433D622D}" type="datetimeFigureOut">
               <a:rPr lang="ko-KR" altLang="en-US" smtClean="0"/>
-              <a:t>2024-07-10</a:t>
+              <a:t>2024-07-19</a:t>
             </a:fld>
             <a:endParaRPr lang="ko-KR" altLang="en-US"/>
           </a:p>
@@ -3455,8 +3460,8 @@
         </p:nvSpPr>
         <p:spPr>
           <a:xfrm>
-            <a:off x="7138987" y="2971800"/>
-            <a:ext cx="2657476" cy="1443038"/>
+            <a:off x="7135544" y="2971799"/>
+            <a:ext cx="2657476" cy="806451"/>
           </a:xfrm>
           <a:prstGeom prst="rect">
             <a:avLst/>
@@ -3894,6 +3899,60 @@
           </a:fontRef>
         </p:style>
       </p:cxnSp>
+      <p:sp>
+        <p:nvSpPr>
+          <p:cNvPr id="3" name="직사각형 2">
+            <a:extLst>
+              <a:ext uri="{FF2B5EF4-FFF2-40B4-BE49-F238E27FC236}">
+                <a16:creationId xmlns:a16="http://schemas.microsoft.com/office/drawing/2014/main" id="{006BB54B-38FA-A8FB-A392-5C7A30C08927}"/>
+              </a:ext>
+            </a:extLst>
+          </p:cNvPr>
+          <p:cNvSpPr/>
+          <p:nvPr/>
+        </p:nvSpPr>
+        <p:spPr>
+          <a:xfrm>
+            <a:off x="7135544" y="4011612"/>
+            <a:ext cx="2657476" cy="403226"/>
+          </a:xfrm>
+          <a:prstGeom prst="rect">
+            <a:avLst/>
+          </a:prstGeom>
+          <a:solidFill>
+            <a:schemeClr val="bg1"/>
+          </a:solidFill>
+          <a:ln>
+            <a:solidFill>
+              <a:schemeClr val="bg1"/>
+            </a:solidFill>
+          </a:ln>
+        </p:spPr>
+        <p:style>
+          <a:lnRef idx="2">
+            <a:schemeClr val="accent1">
+              <a:shade val="15000"/>
+            </a:schemeClr>
+          </a:lnRef>
+          <a:fillRef idx="1">
+            <a:schemeClr val="accent1"/>
+          </a:fillRef>
+          <a:effectRef idx="0">
+            <a:schemeClr val="accent1"/>
+          </a:effectRef>
+          <a:fontRef idx="minor">
+            <a:schemeClr val="lt1"/>
+          </a:fontRef>
+        </p:style>
+        <p:txBody>
+          <a:bodyPr rtlCol="0" anchor="ctr"/>
+          <a:lstStyle/>
+          <a:p>
+            <a:pPr algn="ctr"/>
+            <a:endParaRPr lang="ko-KR" altLang="en-US"/>
+          </a:p>
+        </p:txBody>
+      </p:sp>
     </p:spTree>
     <p:extLst>
       <p:ext uri="{BB962C8B-B14F-4D97-AF65-F5344CB8AC3E}">
